--- a/experiment/fig4/fig4.pptx
+++ b/experiment/fig4/fig4.pptx
@@ -3348,13 +3348,13 @@
               </a:ext>
             </a:extLst>
           </a:blip>
-          <a:srcRect l="6576" t="3604" r="2148" b="5607"/>
+          <a:srcRect l="4781" t="2222" r="1714" b="5459"/>
           <a:stretch/>
         </p:blipFill>
         <p:spPr>
           <a:xfrm>
-            <a:off x="643995" y="2463282"/>
-            <a:ext cx="2529965" cy="1727095"/>
+            <a:off x="582570" y="2463283"/>
+            <a:ext cx="2597659" cy="1737356"/>
           </a:xfrm>
           <a:prstGeom prst="rect">
             <a:avLst/>
@@ -3663,8 +3663,8 @@
         </p:nvSpPr>
         <p:spPr>
           <a:xfrm>
-            <a:off x="736219" y="4190377"/>
-            <a:ext cx="2345515" cy="307777"/>
+            <a:off x="903734" y="4190377"/>
+            <a:ext cx="2010486" cy="307777"/>
           </a:xfrm>
           <a:prstGeom prst="rect">
             <a:avLst/>
@@ -3683,21 +3683,7 @@
                 <a:latin typeface="Courier New" panose="02070309020205020404" pitchFamily="49" charset="0"/>
                 <a:cs typeface="Courier New" panose="02070309020205020404" pitchFamily="49" charset="0"/>
               </a:rPr>
-              <a:t>Urban100:img</a:t>
-            </a:r>
-            <a:r>
-              <a:rPr lang="en-US" altLang="zh-CN" sz="1400">
-                <a:latin typeface="Courier New" panose="02070309020205020404" pitchFamily="49" charset="0"/>
-                <a:cs typeface="Courier New" panose="02070309020205020404" pitchFamily="49" charset="0"/>
-              </a:rPr>
-              <a:t>_091(×4</a:t>
-            </a:r>
-            <a:r>
-              <a:rPr lang="en-US" altLang="zh-CN" sz="1400" dirty="0">
-                <a:latin typeface="Courier New" panose="02070309020205020404" pitchFamily="49" charset="0"/>
-                <a:cs typeface="Courier New" panose="02070309020205020404" pitchFamily="49" charset="0"/>
-              </a:rPr>
-              <a:t>)</a:t>
+              <a:t>Urban100:img092x4</a:t>
             </a:r>
             <a:endParaRPr lang="zh-CN" altLang="en-US" sz="1400" dirty="0">
               <a:latin typeface="Courier New" panose="02070309020205020404" pitchFamily="49" charset="0"/>
@@ -3720,8 +3706,8 @@
         </p:nvSpPr>
         <p:spPr>
           <a:xfrm>
-            <a:off x="3799989" y="3172943"/>
-            <a:ext cx="399468" cy="307777"/>
+            <a:off x="3262986" y="3172943"/>
+            <a:ext cx="1473481" cy="307777"/>
           </a:xfrm>
           <a:prstGeom prst="rect">
             <a:avLst/>
@@ -3740,7 +3726,7 @@
                 <a:latin typeface="Courier New" panose="02070309020205020404" pitchFamily="49" charset="0"/>
                 <a:cs typeface="Courier New" panose="02070309020205020404" pitchFamily="49" charset="0"/>
               </a:rPr>
-              <a:t>HR</a:t>
+              <a:t>Ground Truth</a:t>
             </a:r>
             <a:endParaRPr lang="zh-CN" altLang="en-US" sz="1400" dirty="0">
               <a:latin typeface="Courier New" panose="02070309020205020404" pitchFamily="49" charset="0"/>
@@ -3978,8 +3964,8 @@
         </p:nvSpPr>
         <p:spPr>
           <a:xfrm>
-            <a:off x="8260955" y="4190379"/>
-            <a:ext cx="936475" cy="307777"/>
+            <a:off x="7938753" y="4190379"/>
+            <a:ext cx="1580882" cy="307777"/>
           </a:xfrm>
           <a:prstGeom prst="rect">
             <a:avLst/>
@@ -3998,7 +3984,7 @@
                 <a:latin typeface="Courier New" panose="02070309020205020404" pitchFamily="49" charset="0"/>
                 <a:cs typeface="Courier New" panose="02070309020205020404" pitchFamily="49" charset="0"/>
               </a:rPr>
-              <a:t>Plain-M</a:t>
+              <a:t>Plain-M(ours)</a:t>
             </a:r>
             <a:endParaRPr lang="zh-CN" altLang="en-US" sz="1400" dirty="0">
               <a:latin typeface="Courier New" panose="02070309020205020404" pitchFamily="49" charset="0"/>
@@ -4021,8 +4007,8 @@
         </p:nvSpPr>
         <p:spPr>
           <a:xfrm>
-            <a:off x="9838981" y="4190378"/>
-            <a:ext cx="936475" cy="307777"/>
+            <a:off x="9516776" y="4200638"/>
+            <a:ext cx="1580882" cy="307777"/>
           </a:xfrm>
           <a:prstGeom prst="rect">
             <a:avLst/>
@@ -4041,7 +4027,7 @@
                 <a:latin typeface="Courier New" panose="02070309020205020404" pitchFamily="49" charset="0"/>
                 <a:cs typeface="Courier New" panose="02070309020205020404" pitchFamily="49" charset="0"/>
               </a:rPr>
-              <a:t>Plain-X</a:t>
+              <a:t>Plain-X(ours)</a:t>
             </a:r>
             <a:endParaRPr lang="zh-CN" altLang="en-US" sz="1400" dirty="0">
               <a:latin typeface="Courier New" panose="02070309020205020404" pitchFamily="49" charset="0"/>

--- a/experiment/fig4/fig4.pptx
+++ b/experiment/fig4/fig4.pptx
@@ -259,7 +259,7 @@
           <a:p>
             <a:fld id="{9A08261F-13F2-4DFC-B3DA-40771B1D570B}" type="datetimeFigureOut">
               <a:rPr lang="zh-CN" altLang="en-US" smtClean="0"/>
-              <a:t>2021/11/15</a:t>
+              <a:t>2022/1/25</a:t>
             </a:fld>
             <a:endParaRPr lang="zh-CN" altLang="en-US"/>
           </a:p>
@@ -457,7 +457,7 @@
           <a:p>
             <a:fld id="{9A08261F-13F2-4DFC-B3DA-40771B1D570B}" type="datetimeFigureOut">
               <a:rPr lang="zh-CN" altLang="en-US" smtClean="0"/>
-              <a:t>2021/11/15</a:t>
+              <a:t>2022/1/25</a:t>
             </a:fld>
             <a:endParaRPr lang="zh-CN" altLang="en-US"/>
           </a:p>
@@ -665,7 +665,7 @@
           <a:p>
             <a:fld id="{9A08261F-13F2-4DFC-B3DA-40771B1D570B}" type="datetimeFigureOut">
               <a:rPr lang="zh-CN" altLang="en-US" smtClean="0"/>
-              <a:t>2021/11/15</a:t>
+              <a:t>2022/1/25</a:t>
             </a:fld>
             <a:endParaRPr lang="zh-CN" altLang="en-US"/>
           </a:p>
@@ -863,7 +863,7 @@
           <a:p>
             <a:fld id="{9A08261F-13F2-4DFC-B3DA-40771B1D570B}" type="datetimeFigureOut">
               <a:rPr lang="zh-CN" altLang="en-US" smtClean="0"/>
-              <a:t>2021/11/15</a:t>
+              <a:t>2022/1/25</a:t>
             </a:fld>
             <a:endParaRPr lang="zh-CN" altLang="en-US"/>
           </a:p>
@@ -1138,7 +1138,7 @@
           <a:p>
             <a:fld id="{9A08261F-13F2-4DFC-B3DA-40771B1D570B}" type="datetimeFigureOut">
               <a:rPr lang="zh-CN" altLang="en-US" smtClean="0"/>
-              <a:t>2021/11/15</a:t>
+              <a:t>2022/1/25</a:t>
             </a:fld>
             <a:endParaRPr lang="zh-CN" altLang="en-US"/>
           </a:p>
@@ -1403,7 +1403,7 @@
           <a:p>
             <a:fld id="{9A08261F-13F2-4DFC-B3DA-40771B1D570B}" type="datetimeFigureOut">
               <a:rPr lang="zh-CN" altLang="en-US" smtClean="0"/>
-              <a:t>2021/11/15</a:t>
+              <a:t>2022/1/25</a:t>
             </a:fld>
             <a:endParaRPr lang="zh-CN" altLang="en-US"/>
           </a:p>
@@ -1815,7 +1815,7 @@
           <a:p>
             <a:fld id="{9A08261F-13F2-4DFC-B3DA-40771B1D570B}" type="datetimeFigureOut">
               <a:rPr lang="zh-CN" altLang="en-US" smtClean="0"/>
-              <a:t>2021/11/15</a:t>
+              <a:t>2022/1/25</a:t>
             </a:fld>
             <a:endParaRPr lang="zh-CN" altLang="en-US"/>
           </a:p>
@@ -1956,7 +1956,7 @@
           <a:p>
             <a:fld id="{9A08261F-13F2-4DFC-B3DA-40771B1D570B}" type="datetimeFigureOut">
               <a:rPr lang="zh-CN" altLang="en-US" smtClean="0"/>
-              <a:t>2021/11/15</a:t>
+              <a:t>2022/1/25</a:t>
             </a:fld>
             <a:endParaRPr lang="zh-CN" altLang="en-US"/>
           </a:p>
@@ -2069,7 +2069,7 @@
           <a:p>
             <a:fld id="{9A08261F-13F2-4DFC-B3DA-40771B1D570B}" type="datetimeFigureOut">
               <a:rPr lang="zh-CN" altLang="en-US" smtClean="0"/>
-              <a:t>2021/11/15</a:t>
+              <a:t>2022/1/25</a:t>
             </a:fld>
             <a:endParaRPr lang="zh-CN" altLang="en-US"/>
           </a:p>
@@ -2380,7 +2380,7 @@
           <a:p>
             <a:fld id="{9A08261F-13F2-4DFC-B3DA-40771B1D570B}" type="datetimeFigureOut">
               <a:rPr lang="zh-CN" altLang="en-US" smtClean="0"/>
-              <a:t>2021/11/15</a:t>
+              <a:t>2022/1/25</a:t>
             </a:fld>
             <a:endParaRPr lang="zh-CN" altLang="en-US"/>
           </a:p>
@@ -2668,7 +2668,7 @@
           <a:p>
             <a:fld id="{9A08261F-13F2-4DFC-B3DA-40771B1D570B}" type="datetimeFigureOut">
               <a:rPr lang="zh-CN" altLang="en-US" smtClean="0"/>
-              <a:t>2021/11/15</a:t>
+              <a:t>2022/1/25</a:t>
             </a:fld>
             <a:endParaRPr lang="zh-CN" altLang="en-US"/>
           </a:p>
@@ -2909,7 +2909,7 @@
           <a:p>
             <a:fld id="{9A08261F-13F2-4DFC-B3DA-40771B1D570B}" type="datetimeFigureOut">
               <a:rPr lang="zh-CN" altLang="en-US" smtClean="0"/>
-              <a:t>2021/11/15</a:t>
+              <a:t>2022/1/25</a:t>
             </a:fld>
             <a:endParaRPr lang="zh-CN" altLang="en-US"/>
           </a:p>
@@ -3353,8 +3353,8 @@
         </p:blipFill>
         <p:spPr>
           <a:xfrm>
-            <a:off x="582570" y="2463283"/>
-            <a:ext cx="2597659" cy="1737356"/>
+            <a:off x="1469634" y="2407230"/>
+            <a:ext cx="4025298" cy="2692184"/>
           </a:xfrm>
           <a:prstGeom prst="rect">
             <a:avLst/>
@@ -3389,43 +3389,7 @@
         </p:blipFill>
         <p:spPr>
           <a:xfrm>
-            <a:off x="3237723" y="2463282"/>
-            <a:ext cx="1524000" cy="762000"/>
-          </a:xfrm>
-          <a:prstGeom prst="rect">
-            <a:avLst/>
-          </a:prstGeom>
-        </p:spPr>
-      </p:pic>
-      <p:pic>
-        <p:nvPicPr>
-          <p:cNvPr id="11" name="图片 10">
-            <a:extLst>
-              <a:ext uri="{FF2B5EF4-FFF2-40B4-BE49-F238E27FC236}">
-                <a16:creationId xmlns:a16="http://schemas.microsoft.com/office/drawing/2014/main" id="{207E4B04-0E8E-434C-B0E2-3A960D50F572}"/>
-              </a:ext>
-            </a:extLst>
-          </p:cNvPr>
-          <p:cNvPicPr>
-            <a:picLocks noChangeAspect="1"/>
-          </p:cNvPicPr>
-          <p:nvPr/>
-        </p:nvPicPr>
-        <p:blipFill>
-          <a:blip r:embed="rId4">
-            <a:extLst>
-              <a:ext uri="{28A0092B-C50C-407E-A947-70E740481C1C}">
-                <a14:useLocalDpi xmlns:a14="http://schemas.microsoft.com/office/drawing/2010/main" val="0"/>
-              </a:ext>
-            </a:extLst>
-          </a:blip>
-          <a:stretch>
-            <a:fillRect/>
-          </a:stretch>
-        </p:blipFill>
-        <p:spPr>
-          <a:xfrm>
-            <a:off x="4814597" y="2463282"/>
+            <a:off x="5590305" y="2396971"/>
             <a:ext cx="1524000" cy="762000"/>
           </a:xfrm>
           <a:prstGeom prst="rect">
@@ -3448,7 +3412,7 @@
           <p:nvPr/>
         </p:nvPicPr>
         <p:blipFill>
-          <a:blip r:embed="rId5">
+          <a:blip r:embed="rId4">
             <a:extLst>
               <a:ext uri="{28A0092B-C50C-407E-A947-70E740481C1C}">
                 <a14:useLocalDpi xmlns:a14="http://schemas.microsoft.com/office/drawing/2010/main" val="0"/>
@@ -3461,7 +3425,7 @@
         </p:blipFill>
         <p:spPr>
           <a:xfrm>
-            <a:off x="6391471" y="2463282"/>
+            <a:off x="7162559" y="2396971"/>
             <a:ext cx="1524000" cy="762000"/>
           </a:xfrm>
           <a:prstGeom prst="rect">
@@ -3484,7 +3448,7 @@
           <p:nvPr/>
         </p:nvPicPr>
         <p:blipFill>
-          <a:blip r:embed="rId6">
+          <a:blip r:embed="rId5">
             <a:extLst>
               <a:ext uri="{28A0092B-C50C-407E-A947-70E740481C1C}">
                 <a14:useLocalDpi xmlns:a14="http://schemas.microsoft.com/office/drawing/2010/main" val="0"/>
@@ -3497,7 +3461,7 @@
         </p:blipFill>
         <p:spPr>
           <a:xfrm>
-            <a:off x="3235413" y="3428381"/>
+            <a:off x="5587995" y="3362070"/>
             <a:ext cx="1524000" cy="762000"/>
           </a:xfrm>
           <a:prstGeom prst="rect">
@@ -3520,7 +3484,7 @@
           <p:nvPr/>
         </p:nvPicPr>
         <p:blipFill>
-          <a:blip r:embed="rId7">
+          <a:blip r:embed="rId6">
             <a:extLst>
               <a:ext uri="{28A0092B-C50C-407E-A947-70E740481C1C}">
                 <a14:useLocalDpi xmlns:a14="http://schemas.microsoft.com/office/drawing/2010/main" val="0"/>
@@ -3533,7 +3497,7 @@
         </p:blipFill>
         <p:spPr>
           <a:xfrm>
-            <a:off x="4814597" y="3428383"/>
+            <a:off x="7167179" y="3362072"/>
             <a:ext cx="1524000" cy="762000"/>
           </a:xfrm>
           <a:prstGeom prst="rect">
@@ -3556,7 +3520,7 @@
           <p:nvPr/>
         </p:nvPicPr>
         <p:blipFill>
-          <a:blip r:embed="rId8">
+          <a:blip r:embed="rId7">
             <a:extLst>
               <a:ext uri="{28A0092B-C50C-407E-A947-70E740481C1C}">
                 <a14:useLocalDpi xmlns:a14="http://schemas.microsoft.com/office/drawing/2010/main" val="0"/>
@@ -3569,7 +3533,7 @@
         </p:blipFill>
         <p:spPr>
           <a:xfrm>
-            <a:off x="6391471" y="3428383"/>
+            <a:off x="5552426" y="4327159"/>
             <a:ext cx="1524000" cy="762000"/>
           </a:xfrm>
           <a:prstGeom prst="rect">
@@ -3592,7 +3556,7 @@
           <p:nvPr/>
         </p:nvPicPr>
         <p:blipFill>
-          <a:blip r:embed="rId9">
+          <a:blip r:embed="rId8">
             <a:extLst>
               <a:ext uri="{28A0092B-C50C-407E-A947-70E740481C1C}">
                 <a14:useLocalDpi xmlns:a14="http://schemas.microsoft.com/office/drawing/2010/main" val="0"/>
@@ -3605,7 +3569,7 @@
         </p:blipFill>
         <p:spPr>
           <a:xfrm>
-            <a:off x="7968345" y="3428383"/>
+            <a:off x="7111995" y="4327159"/>
             <a:ext cx="1524000" cy="762000"/>
           </a:xfrm>
           <a:prstGeom prst="rect">
@@ -3628,7 +3592,7 @@
           <p:nvPr/>
         </p:nvPicPr>
         <p:blipFill>
-          <a:blip r:embed="rId10">
+          <a:blip r:embed="rId9">
             <a:extLst>
               <a:ext uri="{28A0092B-C50C-407E-A947-70E740481C1C}">
                 <a14:useLocalDpi xmlns:a14="http://schemas.microsoft.com/office/drawing/2010/main" val="0"/>
@@ -3641,7 +3605,7 @@
         </p:blipFill>
         <p:spPr>
           <a:xfrm>
-            <a:off x="9545219" y="3428383"/>
+            <a:off x="8688869" y="4327159"/>
             <a:ext cx="1524000" cy="762000"/>
           </a:xfrm>
           <a:prstGeom prst="rect">
@@ -3663,8 +3627,8 @@
         </p:nvSpPr>
         <p:spPr>
           <a:xfrm>
-            <a:off x="903734" y="4190377"/>
-            <a:ext cx="2010486" cy="307777"/>
+            <a:off x="1959731" y="5099413"/>
+            <a:ext cx="3000884" cy="307777"/>
           </a:xfrm>
           <a:prstGeom prst="rect">
             <a:avLst/>
@@ -3672,7 +3636,7 @@
           <a:noFill/>
         </p:spPr>
         <p:txBody>
-          <a:bodyPr wrap="none" rtlCol="0">
+          <a:bodyPr wrap="square" rtlCol="0">
             <a:spAutoFit/>
           </a:bodyPr>
           <a:lstStyle/>
@@ -3706,7 +3670,7 @@
         </p:nvSpPr>
         <p:spPr>
           <a:xfrm>
-            <a:off x="3262986" y="3172943"/>
+            <a:off x="5615568" y="3106632"/>
             <a:ext cx="1473481" cy="307777"/>
           </a:xfrm>
           <a:prstGeom prst="rect">
@@ -3737,10 +3701,10 @@
       </p:sp>
       <p:sp>
         <p:nvSpPr>
-          <p:cNvPr id="26" name="文本框 25">
-            <a:extLst>
-              <a:ext uri="{FF2B5EF4-FFF2-40B4-BE49-F238E27FC236}">
-                <a16:creationId xmlns:a16="http://schemas.microsoft.com/office/drawing/2014/main" id="{40B1FAF2-F3D1-485C-8FE1-674E0E90EF85}"/>
+          <p:cNvPr id="27" name="文本框 26">
+            <a:extLst>
+              <a:ext uri="{FF2B5EF4-FFF2-40B4-BE49-F238E27FC236}">
+                <a16:creationId xmlns:a16="http://schemas.microsoft.com/office/drawing/2014/main" id="{96152780-DAAB-4A6C-BECE-5AED6AF3BD13}"/>
               </a:ext>
             </a:extLst>
           </p:cNvPr>
@@ -3749,50 +3713,7 @@
         </p:nvSpPr>
         <p:spPr>
           <a:xfrm>
-            <a:off x="5108359" y="3172942"/>
-            <a:ext cx="936475" cy="307777"/>
-          </a:xfrm>
-          <a:prstGeom prst="rect">
-            <a:avLst/>
-          </a:prstGeom>
-          <a:noFill/>
-        </p:spPr>
-        <p:txBody>
-          <a:bodyPr wrap="none" rtlCol="0">
-            <a:spAutoFit/>
-          </a:bodyPr>
-          <a:lstStyle/>
-          <a:p>
-            <a:pPr algn="ctr"/>
-            <a:r>
-              <a:rPr lang="en-US" altLang="zh-CN" sz="1400" dirty="0">
-                <a:latin typeface="Courier New" panose="02070309020205020404" pitchFamily="49" charset="0"/>
-                <a:cs typeface="Courier New" panose="02070309020205020404" pitchFamily="49" charset="0"/>
-              </a:rPr>
-              <a:t>Bicubic</a:t>
-            </a:r>
-            <a:endParaRPr lang="zh-CN" altLang="en-US" sz="1400" dirty="0">
-              <a:latin typeface="Courier New" panose="02070309020205020404" pitchFamily="49" charset="0"/>
-              <a:cs typeface="Courier New" panose="02070309020205020404" pitchFamily="49" charset="0"/>
-            </a:endParaRPr>
-          </a:p>
-        </p:txBody>
-      </p:sp>
-      <p:sp>
-        <p:nvSpPr>
-          <p:cNvPr id="27" name="文本框 26">
-            <a:extLst>
-              <a:ext uri="{FF2B5EF4-FFF2-40B4-BE49-F238E27FC236}">
-                <a16:creationId xmlns:a16="http://schemas.microsoft.com/office/drawing/2014/main" id="{96152780-DAAB-4A6C-BECE-5AED6AF3BD13}"/>
-              </a:ext>
-            </a:extLst>
-          </p:cNvPr>
-          <p:cNvSpPr txBox="1"/>
-          <p:nvPr/>
-        </p:nvSpPr>
-        <p:spPr>
-          <a:xfrm>
-            <a:off x="6737779" y="3172942"/>
+            <a:off x="7508867" y="3106631"/>
             <a:ext cx="829074" cy="307777"/>
           </a:xfrm>
           <a:prstGeom prst="rect">
@@ -3835,7 +3756,7 @@
         </p:nvSpPr>
         <p:spPr>
           <a:xfrm>
-            <a:off x="3693266" y="4190381"/>
+            <a:off x="6036884" y="4071068"/>
             <a:ext cx="614271" cy="307777"/>
           </a:xfrm>
           <a:prstGeom prst="rect">
@@ -3878,7 +3799,7 @@
         </p:nvSpPr>
         <p:spPr>
           <a:xfrm>
-            <a:off x="5266474" y="4190379"/>
+            <a:off x="7574941" y="4071650"/>
             <a:ext cx="614271" cy="307777"/>
           </a:xfrm>
           <a:prstGeom prst="rect">
@@ -3921,7 +3842,7 @@
         </p:nvSpPr>
         <p:spPr>
           <a:xfrm>
-            <a:off x="6845181" y="4190379"/>
+            <a:off x="6006136" y="5089155"/>
             <a:ext cx="614271" cy="307777"/>
           </a:xfrm>
           <a:prstGeom prst="rect">
@@ -3964,7 +3885,7 @@
         </p:nvSpPr>
         <p:spPr>
           <a:xfrm>
-            <a:off x="7938753" y="4190379"/>
+            <a:off x="7082403" y="5089155"/>
             <a:ext cx="1580882" cy="307777"/>
           </a:xfrm>
           <a:prstGeom prst="rect">
@@ -4007,7 +3928,7 @@
         </p:nvSpPr>
         <p:spPr>
           <a:xfrm>
-            <a:off x="9516776" y="4200638"/>
+            <a:off x="8660426" y="5099414"/>
             <a:ext cx="1580882" cy="307777"/>
           </a:xfrm>
           <a:prstGeom prst="rect">
@@ -4051,7 +3972,7 @@
           <p:nvPr/>
         </p:nvPicPr>
         <p:blipFill>
-          <a:blip r:embed="rId11">
+          <a:blip r:embed="rId10">
             <a:extLst>
               <a:ext uri="{28A0092B-C50C-407E-A947-70E740481C1C}">
                 <a14:useLocalDpi xmlns:a14="http://schemas.microsoft.com/office/drawing/2010/main" val="0"/>
@@ -4064,7 +3985,7 @@
         </p:blipFill>
         <p:spPr>
           <a:xfrm>
-            <a:off x="7968345" y="2463282"/>
+            <a:off x="8744053" y="2396973"/>
             <a:ext cx="1524000" cy="762000"/>
           </a:xfrm>
           <a:prstGeom prst="rect">
@@ -4087,7 +4008,7 @@
           <p:nvPr/>
         </p:nvPicPr>
         <p:blipFill>
-          <a:blip r:embed="rId12">
+          <a:blip r:embed="rId11">
             <a:extLst>
               <a:ext uri="{28A0092B-C50C-407E-A947-70E740481C1C}">
                 <a14:useLocalDpi xmlns:a14="http://schemas.microsoft.com/office/drawing/2010/main" val="0"/>
@@ -4100,7 +4021,7 @@
         </p:blipFill>
         <p:spPr>
           <a:xfrm>
-            <a:off x="9545219" y="2463282"/>
+            <a:off x="8740388" y="3362066"/>
             <a:ext cx="1524000" cy="762000"/>
           </a:xfrm>
           <a:prstGeom prst="rect">
@@ -4122,7 +4043,7 @@
         </p:nvSpPr>
         <p:spPr>
           <a:xfrm>
-            <a:off x="8362811" y="3172940"/>
+            <a:off x="9138519" y="3106631"/>
             <a:ext cx="721672" cy="307777"/>
           </a:xfrm>
           <a:prstGeom prst="rect">
@@ -4165,7 +4086,7 @@
         </p:nvSpPr>
         <p:spPr>
           <a:xfrm>
-            <a:off x="10000083" y="3172940"/>
+            <a:off x="9192219" y="4071068"/>
             <a:ext cx="614271" cy="307777"/>
           </a:xfrm>
           <a:prstGeom prst="rect">
